--- a/draft.pptx
+++ b/draft.pptx
@@ -105,6 +105,11 @@
       </a:defRPr>
     </a:lvl9pPr>
   </p:defaultTextStyle>
+  <p:extLst>
+    <p:ext uri="{EFAFB233-063F-42B5-8137-9DF3F51BA10A}">
+      <p15:sldGuideLst xmlns:p15="http://schemas.microsoft.com/office/powerpoint/2012/main"/>
+    </p:ext>
+  </p:extLst>
 </p:presentation>
 </file>
 
@@ -255,7 +260,7 @@
           <a:p>
             <a:fld id="{F3EEB952-93BE-43E6-BF82-E6A00E6A418D}" type="datetimeFigureOut">
               <a:rPr lang="en-US" smtClean="0"/>
-              <a:t>08-Apr-20</a:t>
+              <a:t>12-Apr-20</a:t>
             </a:fld>
             <a:endParaRPr lang="en-US"/>
           </a:p>
@@ -453,7 +458,7 @@
           <a:p>
             <a:fld id="{F3EEB952-93BE-43E6-BF82-E6A00E6A418D}" type="datetimeFigureOut">
               <a:rPr lang="en-US" smtClean="0"/>
-              <a:t>08-Apr-20</a:t>
+              <a:t>12-Apr-20</a:t>
             </a:fld>
             <a:endParaRPr lang="en-US"/>
           </a:p>
@@ -661,7 +666,7 @@
           <a:p>
             <a:fld id="{F3EEB952-93BE-43E6-BF82-E6A00E6A418D}" type="datetimeFigureOut">
               <a:rPr lang="en-US" smtClean="0"/>
-              <a:t>08-Apr-20</a:t>
+              <a:t>12-Apr-20</a:t>
             </a:fld>
             <a:endParaRPr lang="en-US"/>
           </a:p>
@@ -859,7 +864,7 @@
           <a:p>
             <a:fld id="{F3EEB952-93BE-43E6-BF82-E6A00E6A418D}" type="datetimeFigureOut">
               <a:rPr lang="en-US" smtClean="0"/>
-              <a:t>08-Apr-20</a:t>
+              <a:t>12-Apr-20</a:t>
             </a:fld>
             <a:endParaRPr lang="en-US"/>
           </a:p>
@@ -1134,7 +1139,7 @@
           <a:p>
             <a:fld id="{F3EEB952-93BE-43E6-BF82-E6A00E6A418D}" type="datetimeFigureOut">
               <a:rPr lang="en-US" smtClean="0"/>
-              <a:t>08-Apr-20</a:t>
+              <a:t>12-Apr-20</a:t>
             </a:fld>
             <a:endParaRPr lang="en-US"/>
           </a:p>
@@ -1399,7 +1404,7 @@
           <a:p>
             <a:fld id="{F3EEB952-93BE-43E6-BF82-E6A00E6A418D}" type="datetimeFigureOut">
               <a:rPr lang="en-US" smtClean="0"/>
-              <a:t>08-Apr-20</a:t>
+              <a:t>12-Apr-20</a:t>
             </a:fld>
             <a:endParaRPr lang="en-US"/>
           </a:p>
@@ -1811,7 +1816,7 @@
           <a:p>
             <a:fld id="{F3EEB952-93BE-43E6-BF82-E6A00E6A418D}" type="datetimeFigureOut">
               <a:rPr lang="en-US" smtClean="0"/>
-              <a:t>08-Apr-20</a:t>
+              <a:t>12-Apr-20</a:t>
             </a:fld>
             <a:endParaRPr lang="en-US"/>
           </a:p>
@@ -1952,7 +1957,7 @@
           <a:p>
             <a:fld id="{F3EEB952-93BE-43E6-BF82-E6A00E6A418D}" type="datetimeFigureOut">
               <a:rPr lang="en-US" smtClean="0"/>
-              <a:t>08-Apr-20</a:t>
+              <a:t>12-Apr-20</a:t>
             </a:fld>
             <a:endParaRPr lang="en-US"/>
           </a:p>
@@ -2065,7 +2070,7 @@
           <a:p>
             <a:fld id="{F3EEB952-93BE-43E6-BF82-E6A00E6A418D}" type="datetimeFigureOut">
               <a:rPr lang="en-US" smtClean="0"/>
-              <a:t>08-Apr-20</a:t>
+              <a:t>12-Apr-20</a:t>
             </a:fld>
             <a:endParaRPr lang="en-US"/>
           </a:p>
@@ -2376,7 +2381,7 @@
           <a:p>
             <a:fld id="{F3EEB952-93BE-43E6-BF82-E6A00E6A418D}" type="datetimeFigureOut">
               <a:rPr lang="en-US" smtClean="0"/>
-              <a:t>08-Apr-20</a:t>
+              <a:t>12-Apr-20</a:t>
             </a:fld>
             <a:endParaRPr lang="en-US"/>
           </a:p>
@@ -2664,7 +2669,7 @@
           <a:p>
             <a:fld id="{F3EEB952-93BE-43E6-BF82-E6A00E6A418D}" type="datetimeFigureOut">
               <a:rPr lang="en-US" smtClean="0"/>
-              <a:t>08-Apr-20</a:t>
+              <a:t>12-Apr-20</a:t>
             </a:fld>
             <a:endParaRPr lang="en-US"/>
           </a:p>
@@ -2905,7 +2910,7 @@
           <a:p>
             <a:fld id="{F3EEB952-93BE-43E6-BF82-E6A00E6A418D}" type="datetimeFigureOut">
               <a:rPr lang="en-US" smtClean="0"/>
-              <a:t>08-Apr-20</a:t>
+              <a:t>12-Apr-20</a:t>
             </a:fld>
             <a:endParaRPr lang="en-US"/>
           </a:p>
@@ -3404,6 +3409,9 @@
           <a:p>
             <a:r>
               <a:rPr lang="en-US" sz="1200" i="1" dirty="0">
+                <a:solidFill>
+                  <a:srgbClr val="00B050"/>
+                </a:solidFill>
                 <a:latin typeface="Arial Nova Cond" panose="020B0506020202020204" pitchFamily="34" charset="0"/>
               </a:rPr>
               <a:t>Strategies to checkout:</a:t>
@@ -3416,6 +3424,9 @@
             </a:pPr>
             <a:r>
               <a:rPr lang="en-US" sz="1200" i="1" dirty="0">
+                <a:solidFill>
+                  <a:srgbClr val="00B050"/>
+                </a:solidFill>
                 <a:latin typeface="Arial Nova Cond" panose="020B0506020202020204" pitchFamily="34" charset="0"/>
               </a:rPr>
               <a:t>Select closest</a:t>
@@ -3428,6 +3439,9 @@
             </a:pPr>
             <a:r>
               <a:rPr lang="en-US" sz="1200" i="1" dirty="0">
+                <a:solidFill>
+                  <a:srgbClr val="00B050"/>
+                </a:solidFill>
                 <a:latin typeface="Arial Nova Cond" panose="020B0506020202020204" pitchFamily="34" charset="0"/>
               </a:rPr>
               <a:t>Select less crowded</a:t>
@@ -3440,6 +3454,9 @@
             </a:pPr>
             <a:r>
               <a:rPr lang="en-US" sz="1200" i="1" dirty="0">
+                <a:solidFill>
+                  <a:srgbClr val="00B050"/>
+                </a:solidFill>
                 <a:latin typeface="Arial Nova Cond" panose="020B0506020202020204" pitchFamily="34" charset="0"/>
               </a:rPr>
               <a:t>Select less articles</a:t>
@@ -3452,6 +3469,9 @@
             </a:pPr>
             <a:r>
               <a:rPr lang="en-US" sz="1200" i="1" dirty="0">
+                <a:solidFill>
+                  <a:srgbClr val="00B050"/>
+                </a:solidFill>
                 <a:latin typeface="Arial Nova Cond" panose="020B0506020202020204" pitchFamily="34" charset="0"/>
               </a:rPr>
               <a:t>random</a:t>
@@ -5294,7 +5314,7 @@
         </p:nvSpPr>
         <p:spPr>
           <a:xfrm>
-            <a:off x="2498885" y="5115385"/>
+            <a:off x="2459475" y="5115385"/>
             <a:ext cx="2559107" cy="1569660"/>
           </a:xfrm>
           <a:prstGeom prst="rect">
@@ -6173,6 +6193,9 @@
           <a:p>
             <a:r>
               <a:rPr lang="en-US" sz="1200" u="sng" dirty="0">
+                <a:solidFill>
+                  <a:srgbClr val="00B050"/>
+                </a:solidFill>
                 <a:latin typeface="Arial Nova Cond" panose="020B0506020202020204" pitchFamily="34" charset="0"/>
               </a:rPr>
               <a:t>Global Variables:</a:t>
@@ -6185,18 +6208,27 @@
             </a:pPr>
             <a:r>
               <a:rPr lang="en-US" sz="1200" dirty="0">
+                <a:solidFill>
+                  <a:srgbClr val="00B050"/>
+                </a:solidFill>
                 <a:latin typeface="Arial Nova Cond" panose="020B0506020202020204" pitchFamily="34" charset="0"/>
               </a:rPr>
               <a:t>Min=1 / Max </a:t>
             </a:r>
             <a:r>
               <a:rPr lang="en-US" sz="1200" dirty="0" err="1">
+                <a:solidFill>
+                  <a:srgbClr val="00B050"/>
+                </a:solidFill>
                 <a:latin typeface="Arial Nova Cond" panose="020B0506020202020204" pitchFamily="34" charset="0"/>
               </a:rPr>
               <a:t>nb</a:t>
             </a:r>
             <a:r>
               <a:rPr lang="en-US" sz="1200" dirty="0">
+                <a:solidFill>
+                  <a:srgbClr val="00B050"/>
+                </a:solidFill>
                 <a:latin typeface="Arial Nova Cond" panose="020B0506020202020204" pitchFamily="34" charset="0"/>
               </a:rPr>
               <a:t> of product</a:t>
@@ -6209,6 +6241,9 @@
             </a:pPr>
             <a:r>
               <a:rPr lang="en-US" sz="1200" dirty="0">
+                <a:solidFill>
+                  <a:srgbClr val="00B050"/>
+                </a:solidFill>
                 <a:latin typeface="Arial Nova Cond" panose="020B0506020202020204" pitchFamily="34" charset="0"/>
               </a:rPr>
               <a:t>Min=1 / Max product cost</a:t>
@@ -6221,18 +6256,27 @@
             </a:pPr>
             <a:r>
               <a:rPr lang="en-US" sz="1200" dirty="0">
+                <a:solidFill>
+                  <a:srgbClr val="00B050"/>
+                </a:solidFill>
                 <a:latin typeface="Arial Nova Cond" panose="020B0506020202020204" pitchFamily="34" charset="0"/>
               </a:rPr>
               <a:t>Max </a:t>
             </a:r>
             <a:r>
               <a:rPr lang="en-US" sz="1200" dirty="0" err="1">
+                <a:solidFill>
+                  <a:srgbClr val="00B050"/>
+                </a:solidFill>
                 <a:latin typeface="Arial Nova Cond" panose="020B0506020202020204" pitchFamily="34" charset="0"/>
               </a:rPr>
               <a:t>nb</a:t>
             </a:r>
             <a:r>
               <a:rPr lang="en-US" sz="1200" dirty="0">
+                <a:solidFill>
+                  <a:srgbClr val="00B050"/>
+                </a:solidFill>
                 <a:latin typeface="Arial Nova Cond" panose="020B0506020202020204" pitchFamily="34" charset="0"/>
               </a:rPr>
               <a:t> of customer in store</a:t>
@@ -6245,12 +6289,18 @@
             </a:pPr>
             <a:r>
               <a:rPr lang="en-US" sz="1200" dirty="0" err="1">
+                <a:solidFill>
+                  <a:srgbClr val="00B050"/>
+                </a:solidFill>
                 <a:latin typeface="Arial Nova Cond" panose="020B0506020202020204" pitchFamily="34" charset="0"/>
               </a:rPr>
               <a:t>Nb</a:t>
             </a:r>
             <a:r>
               <a:rPr lang="en-US" sz="1200" dirty="0">
+                <a:solidFill>
+                  <a:srgbClr val="00B050"/>
+                </a:solidFill>
                 <a:latin typeface="Arial Nova Cond" panose="020B0506020202020204" pitchFamily="34" charset="0"/>
               </a:rPr>
               <a:t> of checkout open</a:t>
@@ -6263,6 +6313,9 @@
             </a:pPr>
             <a:r>
               <a:rPr lang="en-US" sz="1200" dirty="0">
+                <a:solidFill>
+                  <a:srgbClr val="00B050"/>
+                </a:solidFill>
                 <a:latin typeface="Arial Nova Cond" panose="020B0506020202020204" pitchFamily="34" charset="0"/>
               </a:rPr>
               <a:t>Probability to add another product</a:t>
@@ -6275,6 +6328,9 @@
             </a:pPr>
             <a:r>
               <a:rPr lang="en-US" sz="1200" dirty="0">
+                <a:solidFill>
+                  <a:srgbClr val="00B050"/>
+                </a:solidFill>
                 <a:latin typeface="Arial Nova Cond" panose="020B0506020202020204" pitchFamily="34" charset="0"/>
               </a:rPr>
               <a:t>Cashier cost / hour</a:t>
